--- a/prezentacia.pptx
+++ b/prezentacia.pptx
@@ -9,6 +9,8 @@
     <p:sldId id="257" r:id="rId3"/>
     <p:sldId id="258" r:id="rId4"/>
     <p:sldId id="259" r:id="rId5"/>
+    <p:sldId id="260" r:id="rId6"/>
+    <p:sldId id="261" r:id="rId7"/>
   </p:sldIdLst>
   <p:sldSz cx="12192000" cy="6858000"/>
   <p:notesSz cx="6858000" cy="9144000"/>
@@ -107,6 +109,11 @@
       </a:defRPr>
     </a:lvl9pPr>
   </p:defaultTextStyle>
+  <p:extLst>
+    <p:ext uri="{EFAFB233-063F-42B5-8137-9DF3F51BA10A}">
+      <p15:sldGuideLst xmlns:p15="http://schemas.microsoft.com/office/powerpoint/2012/main"/>
+    </p:ext>
+  </p:extLst>
 </p:presentation>
 </file>
 
@@ -4759,6 +4766,288 @@
 </p:sld>
 </file>
 
+<file path=ppt/slides/slide5.xml><?xml version="1.0" encoding="utf-8"?>
+<p:sld xmlns:a="http://schemas.openxmlformats.org/drawingml/2006/main" xmlns:r="http://schemas.openxmlformats.org/officeDocument/2006/relationships" xmlns:p="http://schemas.openxmlformats.org/presentationml/2006/main">
+  <p:cSld>
+    <p:bg>
+      <p:bgPr>
+        <a:solidFill>
+          <a:schemeClr val="bg1"/>
+        </a:solidFill>
+        <a:effectLst/>
+      </p:bgPr>
+    </p:bg>
+    <p:spTree>
+      <p:nvGrpSpPr>
+        <p:cNvPr id="1" name=""/>
+        <p:cNvGrpSpPr/>
+        <p:nvPr/>
+      </p:nvGrpSpPr>
+      <p:grpSpPr>
+        <a:xfrm>
+          <a:off x="0" y="0"/>
+          <a:ext cx="0" cy="0"/>
+          <a:chOff x="0" y="0"/>
+          <a:chExt cx="0" cy="0"/>
+        </a:xfrm>
+      </p:grpSpPr>
+      <p:sp>
+        <p:nvSpPr>
+          <p:cNvPr id="10" name="Down Arrow 7">
+            <a:extLst>
+              <a:ext uri="{FF2B5EF4-FFF2-40B4-BE49-F238E27FC236}">
+                <a16:creationId xmlns:a16="http://schemas.microsoft.com/office/drawing/2014/main" id="{D4771268-CB57-404A-9271-370EB28F6090}"/>
+              </a:ext>
+              <a:ext uri="{C183D7F6-B498-43B3-948B-1728B52AA6E4}">
+                <adec:decorative xmlns:adec="http://schemas.microsoft.com/office/drawing/2017/decorative" val="1"/>
+              </a:ext>
+            </a:extLst>
+          </p:cNvPr>
+          <p:cNvSpPr>
+            <a:spLocks noGrp="1" noRot="1" noChangeAspect="1" noMove="1" noResize="1" noEditPoints="1" noAdjustHandles="1" noChangeArrowheads="1" noChangeShapeType="1" noTextEdit="1"/>
+          </p:cNvSpPr>
+          <p:nvPr>
+            <p:extLst>
+              <p:ext uri="{386F3935-93C4-4BCD-93E2-E3B085C9AB24}">
+                <p16:designElem xmlns:p16="http://schemas.microsoft.com/office/powerpoint/2015/main" val="1"/>
+              </p:ext>
+            </p:extLst>
+          </p:nvPr>
+        </p:nvSpPr>
+        <p:spPr>
+          <a:xfrm rot="16200000">
+            <a:off x="800100" y="1491343"/>
+            <a:ext cx="3333749" cy="3499103"/>
+          </a:xfrm>
+          <a:prstGeom prst="downArrow">
+            <a:avLst>
+              <a:gd name="adj1" fmla="val 100000"/>
+              <a:gd name="adj2" fmla="val 15788"/>
+            </a:avLst>
+          </a:prstGeom>
+          <a:solidFill>
+            <a:srgbClr val="404040"/>
+          </a:solidFill>
+          <a:ln w="53975">
+            <a:noFill/>
+          </a:ln>
+        </p:spPr>
+        <p:style>
+          <a:lnRef idx="2">
+            <a:schemeClr val="accent1">
+              <a:shade val="50000"/>
+            </a:schemeClr>
+          </a:lnRef>
+          <a:fillRef idx="1">
+            <a:schemeClr val="accent1"/>
+          </a:fillRef>
+          <a:effectRef idx="0">
+            <a:schemeClr val="accent1"/>
+          </a:effectRef>
+          <a:fontRef idx="minor">
+            <a:schemeClr val="lt1"/>
+          </a:fontRef>
+        </p:style>
+        <p:txBody>
+          <a:bodyPr rtlCol="0" anchor="ctr"/>
+          <a:lstStyle/>
+          <a:p>
+            <a:pPr algn="ctr"/>
+            <a:endParaRPr lang="en-US"/>
+          </a:p>
+        </p:txBody>
+      </p:sp>
+      <p:sp>
+        <p:nvSpPr>
+          <p:cNvPr id="2" name="Title 1">
+            <a:extLst>
+              <a:ext uri="{FF2B5EF4-FFF2-40B4-BE49-F238E27FC236}">
+                <a16:creationId xmlns:a16="http://schemas.microsoft.com/office/drawing/2014/main" id="{BA0408DA-5CAD-4F6D-829C-9F2ECCF250DD}"/>
+              </a:ext>
+            </a:extLst>
+          </p:cNvPr>
+          <p:cNvSpPr>
+            <a:spLocks noGrp="1"/>
+          </p:cNvSpPr>
+          <p:nvPr>
+            <p:ph type="title"/>
+          </p:nvPr>
+        </p:nvSpPr>
+        <p:spPr>
+          <a:xfrm>
+            <a:off x="1028700" y="1967266"/>
+            <a:ext cx="2628900" cy="2547257"/>
+          </a:xfrm>
+          <a:noFill/>
+        </p:spPr>
+        <p:txBody>
+          <a:bodyPr vert="horz" lIns="91440" tIns="45720" rIns="91440" bIns="45720" rtlCol="0" anchor="ctr">
+            <a:normAutofit/>
+          </a:bodyPr>
+          <a:lstStyle/>
+          <a:p>
+            <a:pPr algn="ctr"/>
+            <a:r>
+              <a:rPr lang="en-US" sz="3600" kern="1200">
+                <a:solidFill>
+                  <a:srgbClr val="FFFFFF"/>
+                </a:solidFill>
+                <a:latin typeface="+mj-lt"/>
+                <a:ea typeface="+mj-ea"/>
+                <a:cs typeface="+mj-cs"/>
+              </a:rPr>
+              <a:t>Git Clone</a:t>
+            </a:r>
+          </a:p>
+        </p:txBody>
+      </p:sp>
+      <p:pic>
+        <p:nvPicPr>
+          <p:cNvPr id="5" name="Content Placeholder 4">
+            <a:extLst>
+              <a:ext uri="{FF2B5EF4-FFF2-40B4-BE49-F238E27FC236}">
+                <a16:creationId xmlns:a16="http://schemas.microsoft.com/office/drawing/2014/main" id="{69B9BCE5-2190-486D-9361-703B22D77977}"/>
+              </a:ext>
+            </a:extLst>
+          </p:cNvPr>
+          <p:cNvPicPr>
+            <a:picLocks noGrp="1" noChangeAspect="1"/>
+          </p:cNvPicPr>
+          <p:nvPr>
+            <p:ph idx="1"/>
+          </p:nvPr>
+        </p:nvPicPr>
+        <p:blipFill>
+          <a:blip r:embed="rId2">
+            <a:extLst>
+              <a:ext uri="{28A0092B-C50C-407E-A947-70E740481C1C}">
+                <a14:useLocalDpi xmlns:a14="http://schemas.microsoft.com/office/drawing/2010/main" val="0"/>
+              </a:ext>
+              <a:ext uri="{96DAC541-7B7A-43D3-8B79-37D633B846F1}">
+                <asvg:svgBlip xmlns:asvg="http://schemas.microsoft.com/office/drawing/2016/SVG/main" r:embed="rId3"/>
+              </a:ext>
+            </a:extLst>
+          </a:blip>
+          <a:stretch>
+            <a:fillRect/>
+          </a:stretch>
+        </p:blipFill>
+        <p:spPr>
+          <a:xfrm>
+            <a:off x="4777316" y="1517563"/>
+            <a:ext cx="6780700" cy="3820545"/>
+          </a:xfrm>
+          <a:prstGeom prst="rect">
+            <a:avLst/>
+          </a:prstGeom>
+        </p:spPr>
+      </p:pic>
+    </p:spTree>
+    <p:extLst>
+      <p:ext uri="{BB962C8B-B14F-4D97-AF65-F5344CB8AC3E}">
+        <p14:creationId xmlns:p14="http://schemas.microsoft.com/office/powerpoint/2010/main" val="1988925174"/>
+      </p:ext>
+    </p:extLst>
+  </p:cSld>
+  <p:clrMapOvr>
+    <a:masterClrMapping/>
+  </p:clrMapOvr>
+</p:sld>
+</file>
+
+<file path=ppt/slides/slide6.xml><?xml version="1.0" encoding="utf-8"?>
+<p:sld xmlns:a="http://schemas.openxmlformats.org/drawingml/2006/main" xmlns:r="http://schemas.openxmlformats.org/officeDocument/2006/relationships" xmlns:p="http://schemas.openxmlformats.org/presentationml/2006/main">
+  <p:cSld>
+    <p:spTree>
+      <p:nvGrpSpPr>
+        <p:cNvPr id="1" name=""/>
+        <p:cNvGrpSpPr/>
+        <p:nvPr/>
+      </p:nvGrpSpPr>
+      <p:grpSpPr>
+        <a:xfrm>
+          <a:off x="0" y="0"/>
+          <a:ext cx="0" cy="0"/>
+          <a:chOff x="0" y="0"/>
+          <a:chExt cx="0" cy="0"/>
+        </a:xfrm>
+      </p:grpSpPr>
+      <p:sp>
+        <p:nvSpPr>
+          <p:cNvPr id="2" name="Title 1">
+            <a:extLst>
+              <a:ext uri="{FF2B5EF4-FFF2-40B4-BE49-F238E27FC236}">
+                <a16:creationId xmlns:a16="http://schemas.microsoft.com/office/drawing/2014/main" id="{68516BC4-140F-4937-BB7A-B2085C7DAB50}"/>
+              </a:ext>
+            </a:extLst>
+          </p:cNvPr>
+          <p:cNvSpPr>
+            <a:spLocks noGrp="1"/>
+          </p:cNvSpPr>
+          <p:nvPr>
+            <p:ph type="title"/>
+          </p:nvPr>
+        </p:nvSpPr>
+        <p:spPr/>
+        <p:txBody>
+          <a:bodyPr/>
+          <a:lstStyle/>
+          <a:p>
+            <a:r>
+              <a:rPr lang="en-GB" dirty="0"/>
+              <a:t>Git Add</a:t>
+            </a:r>
+          </a:p>
+        </p:txBody>
+      </p:sp>
+      <p:pic>
+        <p:nvPicPr>
+          <p:cNvPr id="5" name="Content Placeholder 4" descr="A close up of a sign&#10;&#10;Description automatically generated">
+            <a:extLst>
+              <a:ext uri="{FF2B5EF4-FFF2-40B4-BE49-F238E27FC236}">
+                <a16:creationId xmlns:a16="http://schemas.microsoft.com/office/drawing/2014/main" id="{3ED229F2-3AFC-4B81-83DB-E8F62A6CEF49}"/>
+              </a:ext>
+            </a:extLst>
+          </p:cNvPr>
+          <p:cNvPicPr>
+            <a:picLocks noGrp="1" noChangeAspect="1"/>
+          </p:cNvPicPr>
+          <p:nvPr>
+            <p:ph idx="1"/>
+          </p:nvPr>
+        </p:nvPicPr>
+        <p:blipFill>
+          <a:blip r:embed="rId2">
+            <a:extLst>
+              <a:ext uri="{28A0092B-C50C-407E-A947-70E740481C1C}">
+                <a14:useLocalDpi xmlns:a14="http://schemas.microsoft.com/office/drawing/2010/main" val="0"/>
+              </a:ext>
+            </a:extLst>
+          </a:blip>
+          <a:stretch>
+            <a:fillRect/>
+          </a:stretch>
+        </p:blipFill>
+        <p:spPr>
+          <a:xfrm>
+            <a:off x="4148225" y="2118050"/>
+            <a:ext cx="5352323" cy="3090328"/>
+          </a:xfrm>
+        </p:spPr>
+      </p:pic>
+    </p:spTree>
+    <p:extLst>
+      <p:ext uri="{BB962C8B-B14F-4D97-AF65-F5344CB8AC3E}">
+        <p14:creationId xmlns:p14="http://schemas.microsoft.com/office/powerpoint/2010/main" val="516913920"/>
+      </p:ext>
+    </p:extLst>
+  </p:cSld>
+  <p:clrMapOvr>
+    <a:masterClrMapping/>
+  </p:clrMapOvr>
+</p:sld>
+</file>
+
 <file path=ppt/theme/theme1.xml><?xml version="1.0" encoding="utf-8"?>
 <a:theme xmlns:a="http://schemas.openxmlformats.org/drawingml/2006/main" name="Office Theme">
   <a:themeElements>

--- a/prezentacia.pptx
+++ b/prezentacia.pptx
@@ -11,6 +11,7 @@
     <p:sldId id="259" r:id="rId5"/>
     <p:sldId id="260" r:id="rId6"/>
     <p:sldId id="261" r:id="rId7"/>
+    <p:sldId id="262" r:id="rId8"/>
   </p:sldIdLst>
   <p:sldSz cx="12192000" cy="6858000"/>
   <p:notesSz cx="6858000" cy="9144000"/>
@@ -5048,6 +5049,140 @@
 </p:sld>
 </file>
 
+<file path=ppt/slides/slide7.xml><?xml version="1.0" encoding="utf-8"?>
+<p:sld xmlns:a="http://schemas.openxmlformats.org/drawingml/2006/main" xmlns:r="http://schemas.openxmlformats.org/officeDocument/2006/relationships" xmlns:p="http://schemas.openxmlformats.org/presentationml/2006/main">
+  <p:cSld>
+    <p:spTree>
+      <p:nvGrpSpPr>
+        <p:cNvPr id="1" name=""/>
+        <p:cNvGrpSpPr/>
+        <p:nvPr/>
+      </p:nvGrpSpPr>
+      <p:grpSpPr>
+        <a:xfrm>
+          <a:off x="0" y="0"/>
+          <a:ext cx="0" cy="0"/>
+          <a:chOff x="0" y="0"/>
+          <a:chExt cx="0" cy="0"/>
+        </a:xfrm>
+      </p:grpSpPr>
+      <p:sp>
+        <p:nvSpPr>
+          <p:cNvPr id="2" name="Title 1">
+            <a:extLst>
+              <a:ext uri="{FF2B5EF4-FFF2-40B4-BE49-F238E27FC236}">
+                <a16:creationId xmlns:a16="http://schemas.microsoft.com/office/drawing/2014/main" id="{C4F68291-1983-4095-80A6-8059AE806F58}"/>
+              </a:ext>
+            </a:extLst>
+          </p:cNvPr>
+          <p:cNvSpPr>
+            <a:spLocks noGrp="1"/>
+          </p:cNvSpPr>
+          <p:nvPr>
+            <p:ph type="title"/>
+          </p:nvPr>
+        </p:nvSpPr>
+        <p:spPr/>
+        <p:txBody>
+          <a:bodyPr/>
+          <a:lstStyle/>
+          <a:p>
+            <a:r>
+              <a:rPr lang="en-GB" dirty="0"/>
+              <a:t>Git </a:t>
+            </a:r>
+            <a:r>
+              <a:rPr lang="en-GB" dirty="0" err="1"/>
+              <a:t>Konflikt</a:t>
+            </a:r>
+            <a:endParaRPr lang="en-GB" dirty="0"/>
+          </a:p>
+        </p:txBody>
+      </p:sp>
+      <p:pic>
+        <p:nvPicPr>
+          <p:cNvPr id="9" name="Content Placeholder 8" descr="A picture containing drawing&#10;&#10;Description automatically generated">
+            <a:extLst>
+              <a:ext uri="{FF2B5EF4-FFF2-40B4-BE49-F238E27FC236}">
+                <a16:creationId xmlns:a16="http://schemas.microsoft.com/office/drawing/2014/main" id="{8AED3A48-79B7-4477-A1BB-8B2189F79DAC}"/>
+              </a:ext>
+            </a:extLst>
+          </p:cNvPr>
+          <p:cNvPicPr>
+            <a:picLocks noGrp="1" noChangeAspect="1"/>
+          </p:cNvPicPr>
+          <p:nvPr>
+            <p:ph idx="1"/>
+          </p:nvPr>
+        </p:nvPicPr>
+        <p:blipFill>
+          <a:blip r:embed="rId2">
+            <a:extLst>
+              <a:ext uri="{28A0092B-C50C-407E-A947-70E740481C1C}">
+                <a14:useLocalDpi xmlns:a14="http://schemas.microsoft.com/office/drawing/2010/main" val="0"/>
+              </a:ext>
+            </a:extLst>
+          </a:blip>
+          <a:stretch>
+            <a:fillRect/>
+          </a:stretch>
+        </p:blipFill>
+        <p:spPr>
+          <a:xfrm>
+            <a:off x="7943462" y="2810298"/>
+            <a:ext cx="3682482" cy="1764813"/>
+          </a:xfrm>
+        </p:spPr>
+      </p:pic>
+      <p:pic>
+        <p:nvPicPr>
+          <p:cNvPr id="11" name="Picture 10" descr="A close up of a clock&#10;&#10;Description automatically generated">
+            <a:extLst>
+              <a:ext uri="{FF2B5EF4-FFF2-40B4-BE49-F238E27FC236}">
+                <a16:creationId xmlns:a16="http://schemas.microsoft.com/office/drawing/2014/main" id="{64C173DF-3757-48E3-AF9F-EB6D9EAF3BA0}"/>
+              </a:ext>
+            </a:extLst>
+          </p:cNvPr>
+          <p:cNvPicPr>
+            <a:picLocks noChangeAspect="1"/>
+          </p:cNvPicPr>
+          <p:nvPr/>
+        </p:nvPicPr>
+        <p:blipFill>
+          <a:blip r:embed="rId3">
+            <a:extLst>
+              <a:ext uri="{28A0092B-C50C-407E-A947-70E740481C1C}">
+                <a14:useLocalDpi xmlns:a14="http://schemas.microsoft.com/office/drawing/2010/main" val="0"/>
+              </a:ext>
+            </a:extLst>
+          </a:blip>
+          <a:stretch>
+            <a:fillRect/>
+          </a:stretch>
+        </p:blipFill>
+        <p:spPr>
+          <a:xfrm>
+            <a:off x="1269560" y="2267339"/>
+            <a:ext cx="6441773" cy="2416801"/>
+          </a:xfrm>
+          <a:prstGeom prst="rect">
+            <a:avLst/>
+          </a:prstGeom>
+        </p:spPr>
+      </p:pic>
+    </p:spTree>
+    <p:extLst>
+      <p:ext uri="{BB962C8B-B14F-4D97-AF65-F5344CB8AC3E}">
+        <p14:creationId xmlns:p14="http://schemas.microsoft.com/office/powerpoint/2010/main" val="1784793890"/>
+      </p:ext>
+    </p:extLst>
+  </p:cSld>
+  <p:clrMapOvr>
+    <a:masterClrMapping/>
+  </p:clrMapOvr>
+</p:sld>
+</file>
+
 <file path=ppt/theme/theme1.xml><?xml version="1.0" encoding="utf-8"?>
 <a:theme xmlns:a="http://schemas.openxmlformats.org/drawingml/2006/main" name="Office Theme">
   <a:themeElements>

--- a/prezentacia.pptx
+++ b/prezentacia.pptx
@@ -5358,20 +5358,35 @@
             <p:ph type="title"/>
           </p:nvPr>
         </p:nvSpPr>
-        <p:spPr/>
+        <p:spPr>
+          <a:xfrm>
+            <a:off x="838200" y="365125"/>
+            <a:ext cx="10515600" cy="2008798"/>
+          </a:xfrm>
+        </p:spPr>
         <p:txBody>
           <a:bodyPr/>
           <a:lstStyle/>
           <a:p>
+            <a:r>
+              <a:rPr lang="en-GB" dirty="0" err="1"/>
+              <a:t>Aktivita</a:t>
+            </a:r>
+            <a:r>
+              <a:rPr lang="en-GB" dirty="0"/>
+              <a:t> #3</a:t>
+            </a:r>
+            <a:br>
+              <a:rPr lang="en-GB" dirty="0"/>
+            </a:br>
             <a:r>
               <a:rPr lang="en-GB" dirty="0"/>
               <a:t>Git </a:t>
             </a:r>
             <a:r>
-              <a:rPr lang="en-GB" dirty="0" err="1"/>
+              <a:rPr lang="sk-SK" dirty="0"/>
               <a:t>Konflikt</a:t>
             </a:r>
-            <a:endParaRPr lang="en-GB" dirty="0"/>
           </a:p>
         </p:txBody>
       </p:sp>

--- a/prezentacia.pptx
+++ b/prezentacia.pptx
@@ -5392,19 +5392,17 @@
       </p:sp>
       <p:pic>
         <p:nvPicPr>
-          <p:cNvPr id="9" name="Content Placeholder 8" descr="A picture containing drawing&#10;&#10;Description automatically generated">
-            <a:extLst>
-              <a:ext uri="{FF2B5EF4-FFF2-40B4-BE49-F238E27FC236}">
-                <a16:creationId xmlns:a16="http://schemas.microsoft.com/office/drawing/2014/main" id="{8AED3A48-79B7-4477-A1BB-8B2189F79DAC}"/>
+          <p:cNvPr id="11" name="Picture 10" descr="A close up of a clock&#10;&#10;Description automatically generated">
+            <a:extLst>
+              <a:ext uri="{FF2B5EF4-FFF2-40B4-BE49-F238E27FC236}">
+                <a16:creationId xmlns:a16="http://schemas.microsoft.com/office/drawing/2014/main" id="{64C173DF-3757-48E3-AF9F-EB6D9EAF3BA0}"/>
               </a:ext>
             </a:extLst>
           </p:cNvPr>
           <p:cNvPicPr>
-            <a:picLocks noGrp="1" noChangeAspect="1"/>
+            <a:picLocks noChangeAspect="1"/>
           </p:cNvPicPr>
-          <p:nvPr>
-            <p:ph idx="1"/>
-          </p:nvPr>
+          <p:nvPr/>
         </p:nvPicPr>
         <p:blipFill>
           <a:blip r:embed="rId2">
@@ -5420,17 +5418,20 @@
         </p:blipFill>
         <p:spPr>
           <a:xfrm>
-            <a:off x="7943462" y="2810298"/>
-            <a:ext cx="3682482" cy="1764813"/>
+            <a:off x="756378" y="2220598"/>
+            <a:ext cx="5940132" cy="2416801"/>
           </a:xfrm>
+          <a:prstGeom prst="rect">
+            <a:avLst/>
+          </a:prstGeom>
         </p:spPr>
       </p:pic>
       <p:pic>
         <p:nvPicPr>
-          <p:cNvPr id="11" name="Picture 10" descr="A close up of a clock&#10;&#10;Description automatically generated">
-            <a:extLst>
-              <a:ext uri="{FF2B5EF4-FFF2-40B4-BE49-F238E27FC236}">
-                <a16:creationId xmlns:a16="http://schemas.microsoft.com/office/drawing/2014/main" id="{64C173DF-3757-48E3-AF9F-EB6D9EAF3BA0}"/>
+          <p:cNvPr id="6" name="Picture 5" descr="A screenshot of a cell phone&#10;&#10;Description automatically generated">
+            <a:extLst>
+              <a:ext uri="{FF2B5EF4-FFF2-40B4-BE49-F238E27FC236}">
+                <a16:creationId xmlns:a16="http://schemas.microsoft.com/office/drawing/2014/main" id="{B8C2DBE3-5A39-411F-8A14-EDB1FA9589FF}"/>
               </a:ext>
             </a:extLst>
           </p:cNvPr>
@@ -5453,8 +5454,8 @@
         </p:blipFill>
         <p:spPr>
           <a:xfrm>
-            <a:off x="1269560" y="2267339"/>
-            <a:ext cx="6441773" cy="2416801"/>
+            <a:off x="6696510" y="2545224"/>
+            <a:ext cx="4940605" cy="1679505"/>
           </a:xfrm>
           <a:prstGeom prst="rect">
             <a:avLst/>

--- a/prezentacia.pptx
+++ b/prezentacia.pptx
@@ -6,9 +6,9 @@
   </p:sldMasterIdLst>
   <p:sldIdLst>
     <p:sldId id="256" r:id="rId2"/>
-    <p:sldId id="257" r:id="rId3"/>
-    <p:sldId id="259" r:id="rId4"/>
-    <p:sldId id="264" r:id="rId5"/>
+    <p:sldId id="264" r:id="rId3"/>
+    <p:sldId id="257" r:id="rId4"/>
+    <p:sldId id="259" r:id="rId5"/>
     <p:sldId id="263" r:id="rId6"/>
     <p:sldId id="260" r:id="rId7"/>
     <p:sldId id="261" r:id="rId8"/>
@@ -3779,6 +3779,251 @@
       </p:grpSpPr>
       <p:sp>
         <p:nvSpPr>
+          <p:cNvPr id="15" name="Rectangle 14">
+            <a:extLst>
+              <a:ext uri="{FF2B5EF4-FFF2-40B4-BE49-F238E27FC236}">
+                <a16:creationId xmlns:a16="http://schemas.microsoft.com/office/drawing/2014/main" id="{23962611-DFD5-4092-AAFD-559E3DFCE2C9}"/>
+              </a:ext>
+              <a:ext uri="{C183D7F6-B498-43B3-948B-1728B52AA6E4}">
+                <adec:decorative xmlns:adec="http://schemas.microsoft.com/office/drawing/2017/decorative" val="1"/>
+              </a:ext>
+            </a:extLst>
+          </p:cNvPr>
+          <p:cNvSpPr>
+            <a:spLocks noGrp="1" noRot="1" noChangeAspect="1" noMove="1" noResize="1" noEditPoints="1" noAdjustHandles="1" noChangeArrowheads="1" noChangeShapeType="1" noTextEdit="1"/>
+          </p:cNvSpPr>
+          <p:nvPr>
+            <p:extLst>
+              <p:ext uri="{386F3935-93C4-4BCD-93E2-E3B085C9AB24}">
+                <p16:designElem xmlns:p16="http://schemas.microsoft.com/office/powerpoint/2015/main" val="1"/>
+              </p:ext>
+            </p:extLst>
+          </p:nvPr>
+        </p:nvSpPr>
+        <p:spPr>
+          <a:xfrm>
+            <a:off x="475488" y="0"/>
+            <a:ext cx="10910292" cy="6858000"/>
+          </a:xfrm>
+          <a:prstGeom prst="rect">
+            <a:avLst/>
+          </a:prstGeom>
+          <a:gradFill>
+            <a:gsLst>
+              <a:gs pos="0">
+                <a:schemeClr val="accent2"/>
+              </a:gs>
+              <a:gs pos="25000">
+                <a:schemeClr val="accent2"/>
+              </a:gs>
+              <a:gs pos="94000">
+                <a:schemeClr val="accent1"/>
+              </a:gs>
+              <a:gs pos="100000">
+                <a:schemeClr val="accent1"/>
+              </a:gs>
+            </a:gsLst>
+            <a:lin ang="4200000" scaled="0"/>
+          </a:gradFill>
+          <a:ln>
+            <a:noFill/>
+          </a:ln>
+        </p:spPr>
+        <p:style>
+          <a:lnRef idx="2">
+            <a:schemeClr val="accent1">
+              <a:shade val="50000"/>
+            </a:schemeClr>
+          </a:lnRef>
+          <a:fillRef idx="1">
+            <a:schemeClr val="accent1"/>
+          </a:fillRef>
+          <a:effectRef idx="0">
+            <a:schemeClr val="accent1"/>
+          </a:effectRef>
+          <a:fontRef idx="minor">
+            <a:schemeClr val="lt1"/>
+          </a:fontRef>
+        </p:style>
+        <p:txBody>
+          <a:bodyPr rtlCol="0" anchor="ctr"/>
+          <a:lstStyle/>
+          <a:p>
+            <a:pPr algn="ctr"/>
+            <a:endParaRPr lang="en-US"/>
+          </a:p>
+        </p:txBody>
+      </p:sp>
+      <p:pic>
+        <p:nvPicPr>
+          <p:cNvPr id="17" name="Picture 16">
+            <a:extLst>
+              <a:ext uri="{FF2B5EF4-FFF2-40B4-BE49-F238E27FC236}">
+                <a16:creationId xmlns:a16="http://schemas.microsoft.com/office/drawing/2014/main" id="{2270F1FA-0425-408F-9861-80BF5AFB276D}"/>
+              </a:ext>
+              <a:ext uri="{C183D7F6-B498-43B3-948B-1728B52AA6E4}">
+                <adec:decorative xmlns:adec="http://schemas.microsoft.com/office/drawing/2017/decorative" val="1"/>
+              </a:ext>
+            </a:extLst>
+          </p:cNvPr>
+          <p:cNvPicPr>
+            <a:picLocks noGrp="1" noRot="1" noChangeAspect="1" noMove="1" noResize="1" noEditPoints="1" noAdjustHandles="1" noChangeArrowheads="1" noChangeShapeType="1" noCrop="1"/>
+          </p:cNvPicPr>
+          <p:nvPr>
+            <p:extLst>
+              <p:ext uri="{386F3935-93C4-4BCD-93E2-E3B085C9AB24}">
+                <p16:designElem xmlns:p16="http://schemas.microsoft.com/office/powerpoint/2015/main" val="1"/>
+              </p:ext>
+            </p:extLst>
+          </p:nvPr>
+        </p:nvPicPr>
+        <p:blipFill>
+          <a:blip r:embed="rId2">
+            <a:extLst>
+              <a:ext uri="{28A0092B-C50C-407E-A947-70E740481C1C}">
+                <a14:useLocalDpi xmlns:a14="http://schemas.microsoft.com/office/drawing/2010/main" val="0"/>
+              </a:ext>
+            </a:extLst>
+          </a:blip>
+          <a:stretch>
+            <a:fillRect/>
+          </a:stretch>
+        </p:blipFill>
+        <p:spPr>
+          <a:xfrm>
+            <a:off x="0" y="0"/>
+            <a:ext cx="12192000" cy="6858000"/>
+          </a:xfrm>
+          <a:prstGeom prst="rect">
+            <a:avLst/>
+          </a:prstGeom>
+        </p:spPr>
+      </p:pic>
+      <p:sp>
+        <p:nvSpPr>
+          <p:cNvPr id="2" name="Title 1">
+            <a:extLst>
+              <a:ext uri="{FF2B5EF4-FFF2-40B4-BE49-F238E27FC236}">
+                <a16:creationId xmlns:a16="http://schemas.microsoft.com/office/drawing/2014/main" id="{0DB4F2A8-15FD-4367-9E7D-99868C94FAC6}"/>
+              </a:ext>
+            </a:extLst>
+          </p:cNvPr>
+          <p:cNvSpPr>
+            <a:spLocks noGrp="1"/>
+          </p:cNvSpPr>
+          <p:nvPr>
+            <p:ph type="title"/>
+          </p:nvPr>
+        </p:nvSpPr>
+        <p:spPr>
+          <a:xfrm>
+            <a:off x="3045368" y="2043663"/>
+            <a:ext cx="6105194" cy="2031055"/>
+          </a:xfrm>
+        </p:spPr>
+        <p:txBody>
+          <a:bodyPr vert="horz" lIns="91440" tIns="45720" rIns="91440" bIns="45720" rtlCol="0" anchor="b">
+            <a:normAutofit/>
+          </a:bodyPr>
+          <a:lstStyle/>
+          <a:p>
+            <a:pPr algn="ctr"/>
+            <a:r>
+              <a:rPr lang="en-US" sz="4700" kern="1200">
+                <a:solidFill>
+                  <a:srgbClr val="FFFFFF"/>
+                </a:solidFill>
+                <a:latin typeface="+mj-lt"/>
+                <a:ea typeface="+mj-ea"/>
+                <a:cs typeface="+mj-cs"/>
+              </a:rPr>
+              <a:t>Git</a:t>
+            </a:r>
+            <a:br>
+              <a:rPr lang="en-US" sz="4700" kern="1200">
+                <a:solidFill>
+                  <a:srgbClr val="FFFFFF"/>
+                </a:solidFill>
+                <a:latin typeface="+mj-lt"/>
+                <a:ea typeface="+mj-ea"/>
+                <a:cs typeface="+mj-cs"/>
+              </a:rPr>
+            </a:br>
+            <a:r>
+              <a:rPr lang="en-US" sz="4700" kern="1200">
+                <a:solidFill>
+                  <a:srgbClr val="FFFFFF"/>
+                </a:solidFill>
+                <a:latin typeface="+mj-lt"/>
+                <a:ea typeface="+mj-ea"/>
+                <a:cs typeface="+mj-cs"/>
+              </a:rPr>
+              <a:t>vs </a:t>
+            </a:r>
+            <a:br>
+              <a:rPr lang="en-US" sz="4700" kern="1200">
+                <a:solidFill>
+                  <a:srgbClr val="FFFFFF"/>
+                </a:solidFill>
+                <a:latin typeface="+mj-lt"/>
+                <a:ea typeface="+mj-ea"/>
+                <a:cs typeface="+mj-cs"/>
+              </a:rPr>
+            </a:br>
+            <a:r>
+              <a:rPr lang="en-US" sz="4700" kern="1200">
+                <a:solidFill>
+                  <a:srgbClr val="FFFFFF"/>
+                </a:solidFill>
+                <a:latin typeface="+mj-lt"/>
+                <a:ea typeface="+mj-ea"/>
+                <a:cs typeface="+mj-cs"/>
+              </a:rPr>
+              <a:t>GitKraken, GitHub</a:t>
+            </a:r>
+          </a:p>
+        </p:txBody>
+      </p:sp>
+    </p:spTree>
+    <p:extLst>
+      <p:ext uri="{BB962C8B-B14F-4D97-AF65-F5344CB8AC3E}">
+        <p14:creationId xmlns:p14="http://schemas.microsoft.com/office/powerpoint/2010/main" val="112916222"/>
+      </p:ext>
+    </p:extLst>
+  </p:cSld>
+  <p:clrMapOvr>
+    <a:masterClrMapping/>
+  </p:clrMapOvr>
+</p:sld>
+</file>
+
+<file path=ppt/slides/slide3.xml><?xml version="1.0" encoding="utf-8"?>
+<p:sld xmlns:a="http://schemas.openxmlformats.org/drawingml/2006/main" xmlns:r="http://schemas.openxmlformats.org/officeDocument/2006/relationships" xmlns:p="http://schemas.openxmlformats.org/presentationml/2006/main">
+  <p:cSld>
+    <p:bg>
+      <p:bgPr>
+        <a:solidFill>
+          <a:schemeClr val="bg1"/>
+        </a:solidFill>
+        <a:effectLst/>
+      </p:bgPr>
+    </p:bg>
+    <p:spTree>
+      <p:nvGrpSpPr>
+        <p:cNvPr id="1" name=""/>
+        <p:cNvGrpSpPr/>
+        <p:nvPr/>
+      </p:nvGrpSpPr>
+      <p:grpSpPr>
+        <a:xfrm>
+          <a:off x="0" y="0"/>
+          <a:ext cx="0" cy="0"/>
+          <a:chOff x="0" y="0"/>
+          <a:chExt cx="0" cy="0"/>
+        </a:xfrm>
+      </p:grpSpPr>
+      <p:sp>
+        <p:nvSpPr>
           <p:cNvPr id="8" name="Rectangle 7">
             <a:extLst>
               <a:ext uri="{FF2B5EF4-FFF2-40B4-BE49-F238E27FC236}">
@@ -4129,7 +4374,7 @@
 </p:sld>
 </file>
 
-<file path=ppt/slides/slide3.xml><?xml version="1.0" encoding="utf-8"?>
+<file path=ppt/slides/slide4.xml><?xml version="1.0" encoding="utf-8"?>
 <p:sld xmlns:a="http://schemas.openxmlformats.org/drawingml/2006/main" xmlns:r="http://schemas.openxmlformats.org/officeDocument/2006/relationships" xmlns:p="http://schemas.openxmlformats.org/presentationml/2006/main">
   <p:cSld>
     <p:bg>
@@ -4440,251 +4685,6 @@
     <p:extLst>
       <p:ext uri="{BB962C8B-B14F-4D97-AF65-F5344CB8AC3E}">
         <p14:creationId xmlns:p14="http://schemas.microsoft.com/office/powerpoint/2010/main" val="1991883259"/>
-      </p:ext>
-    </p:extLst>
-  </p:cSld>
-  <p:clrMapOvr>
-    <a:masterClrMapping/>
-  </p:clrMapOvr>
-</p:sld>
-</file>
-
-<file path=ppt/slides/slide4.xml><?xml version="1.0" encoding="utf-8"?>
-<p:sld xmlns:a="http://schemas.openxmlformats.org/drawingml/2006/main" xmlns:r="http://schemas.openxmlformats.org/officeDocument/2006/relationships" xmlns:p="http://schemas.openxmlformats.org/presentationml/2006/main">
-  <p:cSld>
-    <p:bg>
-      <p:bgPr>
-        <a:solidFill>
-          <a:schemeClr val="bg1"/>
-        </a:solidFill>
-        <a:effectLst/>
-      </p:bgPr>
-    </p:bg>
-    <p:spTree>
-      <p:nvGrpSpPr>
-        <p:cNvPr id="1" name=""/>
-        <p:cNvGrpSpPr/>
-        <p:nvPr/>
-      </p:nvGrpSpPr>
-      <p:grpSpPr>
-        <a:xfrm>
-          <a:off x="0" y="0"/>
-          <a:ext cx="0" cy="0"/>
-          <a:chOff x="0" y="0"/>
-          <a:chExt cx="0" cy="0"/>
-        </a:xfrm>
-      </p:grpSpPr>
-      <p:sp>
-        <p:nvSpPr>
-          <p:cNvPr id="15" name="Rectangle 14">
-            <a:extLst>
-              <a:ext uri="{FF2B5EF4-FFF2-40B4-BE49-F238E27FC236}">
-                <a16:creationId xmlns:a16="http://schemas.microsoft.com/office/drawing/2014/main" id="{23962611-DFD5-4092-AAFD-559E3DFCE2C9}"/>
-              </a:ext>
-              <a:ext uri="{C183D7F6-B498-43B3-948B-1728B52AA6E4}">
-                <adec:decorative xmlns:adec="http://schemas.microsoft.com/office/drawing/2017/decorative" val="1"/>
-              </a:ext>
-            </a:extLst>
-          </p:cNvPr>
-          <p:cNvSpPr>
-            <a:spLocks noGrp="1" noRot="1" noChangeAspect="1" noMove="1" noResize="1" noEditPoints="1" noAdjustHandles="1" noChangeArrowheads="1" noChangeShapeType="1" noTextEdit="1"/>
-          </p:cNvSpPr>
-          <p:nvPr>
-            <p:extLst>
-              <p:ext uri="{386F3935-93C4-4BCD-93E2-E3B085C9AB24}">
-                <p16:designElem xmlns:p16="http://schemas.microsoft.com/office/powerpoint/2015/main" val="1"/>
-              </p:ext>
-            </p:extLst>
-          </p:nvPr>
-        </p:nvSpPr>
-        <p:spPr>
-          <a:xfrm>
-            <a:off x="475488" y="0"/>
-            <a:ext cx="10910292" cy="6858000"/>
-          </a:xfrm>
-          <a:prstGeom prst="rect">
-            <a:avLst/>
-          </a:prstGeom>
-          <a:gradFill>
-            <a:gsLst>
-              <a:gs pos="0">
-                <a:schemeClr val="accent2"/>
-              </a:gs>
-              <a:gs pos="25000">
-                <a:schemeClr val="accent2"/>
-              </a:gs>
-              <a:gs pos="94000">
-                <a:schemeClr val="accent1"/>
-              </a:gs>
-              <a:gs pos="100000">
-                <a:schemeClr val="accent1"/>
-              </a:gs>
-            </a:gsLst>
-            <a:lin ang="4200000" scaled="0"/>
-          </a:gradFill>
-          <a:ln>
-            <a:noFill/>
-          </a:ln>
-        </p:spPr>
-        <p:style>
-          <a:lnRef idx="2">
-            <a:schemeClr val="accent1">
-              <a:shade val="50000"/>
-            </a:schemeClr>
-          </a:lnRef>
-          <a:fillRef idx="1">
-            <a:schemeClr val="accent1"/>
-          </a:fillRef>
-          <a:effectRef idx="0">
-            <a:schemeClr val="accent1"/>
-          </a:effectRef>
-          <a:fontRef idx="minor">
-            <a:schemeClr val="lt1"/>
-          </a:fontRef>
-        </p:style>
-        <p:txBody>
-          <a:bodyPr rtlCol="0" anchor="ctr"/>
-          <a:lstStyle/>
-          <a:p>
-            <a:pPr algn="ctr"/>
-            <a:endParaRPr lang="en-US"/>
-          </a:p>
-        </p:txBody>
-      </p:sp>
-      <p:pic>
-        <p:nvPicPr>
-          <p:cNvPr id="17" name="Picture 16">
-            <a:extLst>
-              <a:ext uri="{FF2B5EF4-FFF2-40B4-BE49-F238E27FC236}">
-                <a16:creationId xmlns:a16="http://schemas.microsoft.com/office/drawing/2014/main" id="{2270F1FA-0425-408F-9861-80BF5AFB276D}"/>
-              </a:ext>
-              <a:ext uri="{C183D7F6-B498-43B3-948B-1728B52AA6E4}">
-                <adec:decorative xmlns:adec="http://schemas.microsoft.com/office/drawing/2017/decorative" val="1"/>
-              </a:ext>
-            </a:extLst>
-          </p:cNvPr>
-          <p:cNvPicPr>
-            <a:picLocks noGrp="1" noRot="1" noChangeAspect="1" noMove="1" noResize="1" noEditPoints="1" noAdjustHandles="1" noChangeArrowheads="1" noChangeShapeType="1" noCrop="1"/>
-          </p:cNvPicPr>
-          <p:nvPr>
-            <p:extLst>
-              <p:ext uri="{386F3935-93C4-4BCD-93E2-E3B085C9AB24}">
-                <p16:designElem xmlns:p16="http://schemas.microsoft.com/office/powerpoint/2015/main" val="1"/>
-              </p:ext>
-            </p:extLst>
-          </p:nvPr>
-        </p:nvPicPr>
-        <p:blipFill>
-          <a:blip r:embed="rId2">
-            <a:extLst>
-              <a:ext uri="{28A0092B-C50C-407E-A947-70E740481C1C}">
-                <a14:useLocalDpi xmlns:a14="http://schemas.microsoft.com/office/drawing/2010/main" val="0"/>
-              </a:ext>
-            </a:extLst>
-          </a:blip>
-          <a:stretch>
-            <a:fillRect/>
-          </a:stretch>
-        </p:blipFill>
-        <p:spPr>
-          <a:xfrm>
-            <a:off x="0" y="0"/>
-            <a:ext cx="12192000" cy="6858000"/>
-          </a:xfrm>
-          <a:prstGeom prst="rect">
-            <a:avLst/>
-          </a:prstGeom>
-        </p:spPr>
-      </p:pic>
-      <p:sp>
-        <p:nvSpPr>
-          <p:cNvPr id="2" name="Title 1">
-            <a:extLst>
-              <a:ext uri="{FF2B5EF4-FFF2-40B4-BE49-F238E27FC236}">
-                <a16:creationId xmlns:a16="http://schemas.microsoft.com/office/drawing/2014/main" id="{0DB4F2A8-15FD-4367-9E7D-99868C94FAC6}"/>
-              </a:ext>
-            </a:extLst>
-          </p:cNvPr>
-          <p:cNvSpPr>
-            <a:spLocks noGrp="1"/>
-          </p:cNvSpPr>
-          <p:nvPr>
-            <p:ph type="title"/>
-          </p:nvPr>
-        </p:nvSpPr>
-        <p:spPr>
-          <a:xfrm>
-            <a:off x="3045368" y="2043663"/>
-            <a:ext cx="6105194" cy="2031055"/>
-          </a:xfrm>
-        </p:spPr>
-        <p:txBody>
-          <a:bodyPr vert="horz" lIns="91440" tIns="45720" rIns="91440" bIns="45720" rtlCol="0" anchor="b">
-            <a:normAutofit/>
-          </a:bodyPr>
-          <a:lstStyle/>
-          <a:p>
-            <a:pPr algn="ctr"/>
-            <a:r>
-              <a:rPr lang="en-US" sz="4700" kern="1200">
-                <a:solidFill>
-                  <a:srgbClr val="FFFFFF"/>
-                </a:solidFill>
-                <a:latin typeface="+mj-lt"/>
-                <a:ea typeface="+mj-ea"/>
-                <a:cs typeface="+mj-cs"/>
-              </a:rPr>
-              <a:t>Git</a:t>
-            </a:r>
-            <a:br>
-              <a:rPr lang="en-US" sz="4700" kern="1200">
-                <a:solidFill>
-                  <a:srgbClr val="FFFFFF"/>
-                </a:solidFill>
-                <a:latin typeface="+mj-lt"/>
-                <a:ea typeface="+mj-ea"/>
-                <a:cs typeface="+mj-cs"/>
-              </a:rPr>
-            </a:br>
-            <a:r>
-              <a:rPr lang="en-US" sz="4700" kern="1200">
-                <a:solidFill>
-                  <a:srgbClr val="FFFFFF"/>
-                </a:solidFill>
-                <a:latin typeface="+mj-lt"/>
-                <a:ea typeface="+mj-ea"/>
-                <a:cs typeface="+mj-cs"/>
-              </a:rPr>
-              <a:t>vs </a:t>
-            </a:r>
-            <a:br>
-              <a:rPr lang="en-US" sz="4700" kern="1200">
-                <a:solidFill>
-                  <a:srgbClr val="FFFFFF"/>
-                </a:solidFill>
-                <a:latin typeface="+mj-lt"/>
-                <a:ea typeface="+mj-ea"/>
-                <a:cs typeface="+mj-cs"/>
-              </a:rPr>
-            </a:br>
-            <a:r>
-              <a:rPr lang="en-US" sz="4700" kern="1200">
-                <a:solidFill>
-                  <a:srgbClr val="FFFFFF"/>
-                </a:solidFill>
-                <a:latin typeface="+mj-lt"/>
-                <a:ea typeface="+mj-ea"/>
-                <a:cs typeface="+mj-cs"/>
-              </a:rPr>
-              <a:t>GitKraken, GitHub</a:t>
-            </a:r>
-          </a:p>
-        </p:txBody>
-      </p:sp>
-    </p:spTree>
-    <p:extLst>
-      <p:ext uri="{BB962C8B-B14F-4D97-AF65-F5344CB8AC3E}">
-        <p14:creationId xmlns:p14="http://schemas.microsoft.com/office/powerpoint/2010/main" val="112916222"/>
       </p:ext>
     </p:extLst>
   </p:cSld>
